--- a/VideoGamesGenrePrediction/VideoGames.pptx
+++ b/VideoGamesGenrePrediction/VideoGames.pptx
@@ -5808,18 +5808,7 @@
             </a:r>
           </a:p>
           <a:p>
-            <a:r>
-              <a:rPr lang="it-IT" dirty="0"/>
-              <a:t>About </a:t>
-            </a:r>
-            <a:r>
-              <a:rPr lang="it-IT" b="1" dirty="0"/>
-              <a:t>200</a:t>
-            </a:r>
-            <a:r>
-              <a:rPr lang="it-IT" dirty="0"/>
-              <a:t> items per genre.</a:t>
-            </a:r>
+            <a:endParaRPr lang="it-IT" dirty="0"/>
           </a:p>
         </p:txBody>
       </p:sp>
@@ -7507,8 +7496,8 @@
           </a:p>
         </p:txBody>
       </p:sp>
-      <mc:AlternateContent xmlns:mc="http://schemas.openxmlformats.org/markup-compatibility/2006">
-        <mc:Choice xmlns:a14="http://schemas.microsoft.com/office/drawing/2010/main" Requires="a14">
+      <mc:AlternateContent xmlns:mc="http://schemas.openxmlformats.org/markup-compatibility/2006" xmlns:a14="http://schemas.microsoft.com/office/drawing/2010/main">
+        <mc:Choice Requires="a14">
           <p:sp>
             <p:nvSpPr>
               <p:cNvPr id="14" name="CasellaDiTesto 13">
@@ -8023,7 +8012,7 @@
             </p:txBody>
           </p:sp>
         </mc:Choice>
-        <mc:Fallback>
+        <mc:Fallback xmlns="">
           <p:sp>
             <p:nvSpPr>
               <p:cNvPr id="14" name="CasellaDiTesto 13">
@@ -8420,8 +8409,8 @@
           </p:sp>
         </mc:Fallback>
       </mc:AlternateContent>
-      <mc:AlternateContent xmlns:mc="http://schemas.openxmlformats.org/markup-compatibility/2006">
-        <mc:Choice xmlns:a14="http://schemas.microsoft.com/office/drawing/2010/main" Requires="a14">
+      <mc:AlternateContent xmlns:mc="http://schemas.openxmlformats.org/markup-compatibility/2006" xmlns:a14="http://schemas.microsoft.com/office/drawing/2010/main">
+        <mc:Choice Requires="a14">
           <p:sp>
             <p:nvSpPr>
               <p:cNvPr id="23" name="CasellaDiTesto 22">
@@ -8558,7 +8547,7 @@
             </p:txBody>
           </p:sp>
         </mc:Choice>
-        <mc:Fallback>
+        <mc:Fallback xmlns="">
           <p:sp>
             <p:nvSpPr>
               <p:cNvPr id="23" name="CasellaDiTesto 22">
@@ -15316,15 +15305,6 @@
 </file>
 
 <file path=customXml/item2.xml><?xml version="1.0" encoding="utf-8"?>
-<?mso-contentType ?>
-<FormTemplates xmlns="http://schemas.microsoft.com/sharepoint/v3/contenttype/forms">
-  <Display>DocumentLibraryForm</Display>
-  <Edit>AssetEditForm</Edit>
-  <New>DocumentLibraryForm</New>
-</FormTemplates>
-</file>
-
-<file path=customXml/item3.xml><?xml version="1.0" encoding="utf-8"?>
 <ct:contentTypeSchema xmlns:ct="http://schemas.microsoft.com/office/2006/metadata/contentType" xmlns:ma="http://schemas.microsoft.com/office/2006/metadata/properties/metaAttributes" ct:_="" ma:_="" ma:contentTypeName="TemplateFile" ma:contentTypeID="0x0101006EDDDB5EE6D98C44930B742096920B300400F5B6D36B3EF94B4E9A635CDF2A18F5B8" ma:contentTypeVersion="72" ma:contentTypeDescription="Create a new document." ma:contentTypeScope="" ma:versionID="a23e56308344d904b51738559c3d67c9">
   <xsd:schema xmlns:xsd="http://www.w3.org/2001/XMLSchema" xmlns:xs="http://www.w3.org/2001/XMLSchema" xmlns:p="http://schemas.microsoft.com/office/2006/metadata/properties" xmlns:ns2="4873beb7-5857-4685-be1f-d57550cc96cc" targetNamespace="http://schemas.microsoft.com/office/2006/metadata/properties" ma:root="true" ma:fieldsID="cd0908cc4600e77bf5da051303e00c8d" ns2:_="">
     <xsd:import namespace="4873beb7-5857-4685-be1f-d57550cc96cc"/>
@@ -16364,6 +16344,15 @@
 </ct:contentTypeSchema>
 </file>
 
+<file path=customXml/item3.xml><?xml version="1.0" encoding="utf-8"?>
+<?mso-contentType ?>
+<FormTemplates xmlns="http://schemas.microsoft.com/sharepoint/v3/contenttype/forms">
+  <Display>DocumentLibraryForm</Display>
+  <Edit>AssetEditForm</Edit>
+  <New>DocumentLibraryForm</New>
+</FormTemplates>
+</file>
+
 <file path=customXml/itemProps1.xml><?xml version="1.0" encoding="utf-8"?>
 <ds:datastoreItem xmlns:ds="http://schemas.openxmlformats.org/officeDocument/2006/customXml" ds:itemID="{00E41224-0370-4595-877C-23316CD80004}">
   <ds:schemaRefs>
@@ -16375,14 +16364,6 @@
 </file>
 
 <file path=customXml/itemProps2.xml><?xml version="1.0" encoding="utf-8"?>
-<ds:datastoreItem xmlns:ds="http://schemas.openxmlformats.org/officeDocument/2006/customXml" ds:itemID="{74228E6B-D70C-44BB-A81F-A245495F612B}">
-  <ds:schemaRefs>
-    <ds:schemaRef ds:uri="http://schemas.microsoft.com/sharepoint/v3/contenttype/forms"/>
-  </ds:schemaRefs>
-</ds:datastoreItem>
-</file>
-
-<file path=customXml/itemProps3.xml><?xml version="1.0" encoding="utf-8"?>
 <ds:datastoreItem xmlns:ds="http://schemas.openxmlformats.org/officeDocument/2006/customXml" ds:itemID="{22CCB507-0646-4A50-A4F7-7F385079D589}">
   <ds:schemaRefs>
     <ds:schemaRef ds:uri="http://schemas.microsoft.com/office/2006/metadata/contentType"/>
@@ -16398,4 +16379,12 @@
     <ds:schemaRef ds:uri="http://schemas.microsoft.com/internal/obd"/>
   </ds:schemaRefs>
 </ds:datastoreItem>
+</file>
+
+<file path=customXml/itemProps3.xml><?xml version="1.0" encoding="utf-8"?>
+<ds:datastoreItem xmlns:ds="http://schemas.openxmlformats.org/officeDocument/2006/customXml" ds:itemID="{74228E6B-D70C-44BB-A81F-A245495F612B}">
+  <ds:schemaRefs>
+    <ds:schemaRef ds:uri="http://schemas.microsoft.com/sharepoint/v3/contenttype/forms"/>
+  </ds:schemaRefs>
+</ds:datastoreItem>
 </file>